--- a/IWOP CSS LECTRUES/IWOP_CSS_3.pptx
+++ b/IWOP CSS LECTRUES/IWOP_CSS_3.pptx
@@ -5427,7 +5427,7 @@
           <a:p>
             <a:fld id="{C4CE36E0-1C92-4702-A79B-A725055E1519}" type="datetimeFigureOut">
               <a:rPr lang="ko-KR" altLang="en-US" smtClean="0"/>
-              <a:t>2020-03-28</a:t>
+              <a:t>2020-06-27</a:t>
             </a:fld>
             <a:endParaRPr lang="ko-KR" altLang="en-US"/>
           </a:p>
@@ -5971,7 +5971,14 @@
             </a:r>
             <a:r>
               <a:rPr lang="ko-KR" altLang="en-US" dirty="0"/>
-              <a:t>는 고정된 이정도로 해석하면 </a:t>
+              <a:t>는 고정된 </a:t>
+            </a:r>
+            <a:endParaRPr lang="en-US" altLang="ko-KR" dirty="0"/>
+          </a:p>
+          <a:p>
+            <a:r>
+              <a:rPr lang="ko-KR" altLang="en-US" dirty="0"/>
+              <a:t>이정도로 해석하면 </a:t>
             </a:r>
             <a:r>
               <a:rPr lang="ko-KR" altLang="en-US" dirty="0" err="1"/>
@@ -5994,7 +6001,15 @@
             </a:r>
             <a:r>
               <a:rPr lang="ko-KR" altLang="en-US" dirty="0"/>
-              <a:t>가 흐르다 이죠 근데 </a:t>
+              <a:t>가 </a:t>
+            </a:r>
+            <a:r>
+              <a:rPr lang="ko-KR" altLang="en-US" dirty="0" err="1"/>
+              <a:t>흐르다이죠</a:t>
+            </a:r>
+            <a:r>
+              <a:rPr lang="ko-KR" altLang="en-US" dirty="0"/>
+              <a:t> 근데 </a:t>
             </a:r>
             <a:r>
               <a:rPr lang="en-US" altLang="ko-KR" dirty="0"/>
@@ -6430,7 +6445,7 @@
             </a:r>
             <a:r>
               <a:rPr lang="en-US" altLang="ko-KR" sz="1200" dirty="0"/>
-              <a:t>, ,,,,,,</a:t>
+              <a:t>,,,,,,,</a:t>
             </a:r>
             <a:endParaRPr lang="ko-KR" altLang="en-US" sz="1200" dirty="0"/>
           </a:p>
@@ -6883,10 +6898,10 @@
                 <a:ea typeface="+mn-ea"/>
                 <a:cs typeface="+mn-cs"/>
               </a:rPr>
-              <a:t>이거 진짜 잘 배워야 나중에 헷갈리지 않으니 집중</a:t>
-            </a:r>
-            <a:r>
-              <a:rPr lang="en-US" altLang="ko-KR" sz="1200" b="0" i="0" kern="1200" dirty="0">
+              <a:t>이거 진짜 잘 배워야 나중에 헷갈리지 않으니 </a:t>
+            </a:r>
+            <a:r>
+              <a:rPr lang="ko-KR" altLang="en-US" sz="1200" b="0" i="0" kern="1200" dirty="0" err="1">
                 <a:solidFill>
                   <a:schemeClr val="tx1"/>
                 </a:solidFill>
@@ -6895,7 +6910,7 @@
                 <a:ea typeface="+mn-ea"/>
                 <a:cs typeface="+mn-cs"/>
               </a:rPr>
-              <a:t>.</a:t>
+              <a:t>집중해야해요ㅠㅠ</a:t>
             </a:r>
             <a:endParaRPr lang="ko-KR" altLang="en-US" dirty="0"/>
           </a:p>
@@ -7279,7 +7294,7 @@
             </a:r>
             <a:r>
               <a:rPr lang="en-US" altLang="ko-KR" dirty="0"/>
-              <a:t>..?)</a:t>
+              <a:t>..(?))</a:t>
             </a:r>
           </a:p>
           <a:p>
@@ -7356,15 +7371,7 @@
             </a:r>
             <a:r>
               <a:rPr lang="ko-KR" altLang="en-US" dirty="0"/>
-              <a:t>이에요 궁금하면 회전시켜서 둘이 </a:t>
-            </a:r>
-            <a:r>
-              <a:rPr lang="ko-KR" altLang="en-US" dirty="0" err="1"/>
-              <a:t>똑같은지</a:t>
-            </a:r>
-            <a:r>
-              <a:rPr lang="ko-KR" altLang="en-US" dirty="0"/>
-              <a:t> 확인해 보세요</a:t>
+              <a:t>이에요 둘의 길이는 똑같습니다</a:t>
             </a:r>
             <a:endParaRPr lang="en-US" altLang="ko-KR" dirty="0"/>
           </a:p>
@@ -7454,32 +7461,45 @@
               <a:rPr lang="ko-KR" altLang="en-US" dirty="0"/>
               <a:t>하나도 어렵지 않아요</a:t>
             </a:r>
+            <a:r>
+              <a:rPr lang="en-US" altLang="ko-KR" dirty="0"/>
+              <a:t>,,</a:t>
+            </a:r>
+            <a:r>
+              <a:rPr lang="ko-KR" altLang="en-US" dirty="0" err="1"/>
+              <a:t>ㅎ</a:t>
+            </a:r>
+            <a:r>
+              <a:rPr lang="en-US" altLang="ko-KR" dirty="0"/>
+              <a:t>,,,,</a:t>
+            </a:r>
+            <a:r>
+              <a:rPr lang="ko-KR" altLang="en-US" dirty="0" err="1"/>
+              <a:t>ㅎ</a:t>
+            </a:r>
+            <a:r>
+              <a:rPr lang="en-US" altLang="ko-KR" dirty="0"/>
+              <a:t>,</a:t>
+            </a:r>
+            <a:r>
+              <a:rPr lang="ko-KR" altLang="en-US" dirty="0" err="1"/>
+              <a:t>ㅎ</a:t>
+            </a:r>
+            <a:r>
+              <a:rPr lang="en-US" altLang="ko-KR" dirty="0"/>
+              <a:t>,</a:t>
+            </a:r>
+            <a:r>
+              <a:rPr lang="ko-KR" altLang="en-US" dirty="0" err="1"/>
+              <a:t>ㅎㅎㅎ</a:t>
+            </a:r>
+            <a:r>
+              <a:rPr lang="en-US" altLang="ko-KR" dirty="0"/>
+              <a:t>,,,,</a:t>
+            </a:r>
+          </a:p>
+          <a:p>
             <a:endParaRPr lang="en-US" altLang="ko-KR" dirty="0"/>
-          </a:p>
-          <a:p>
-            <a:r>
-              <a:rPr lang="ko-KR" altLang="en-US" dirty="0"/>
-              <a:t>여러분들 긴장하지 말아주세요 </a:t>
-            </a:r>
-            <a:r>
-              <a:rPr lang="ko-KR" altLang="en-US" dirty="0" err="1"/>
-              <a:t>제발요ㅠㅠㅠ</a:t>
-            </a:r>
-            <a:endParaRPr lang="en-US" altLang="ko-KR" dirty="0"/>
-          </a:p>
-          <a:p>
-            <a:r>
-              <a:rPr lang="ko-KR" altLang="en-US" dirty="0"/>
-              <a:t>제가 잘 </a:t>
-            </a:r>
-            <a:r>
-              <a:rPr lang="ko-KR" altLang="en-US" dirty="0" err="1"/>
-              <a:t>설명해드릴테니</a:t>
-            </a:r>
-            <a:r>
-              <a:rPr lang="en-US" altLang="ko-KR" dirty="0"/>
-              <a:t>..,,,,,</a:t>
-            </a:r>
           </a:p>
           <a:p>
             <a:r>
@@ -7682,7 +7702,7 @@
             </a:r>
             <a:r>
               <a:rPr lang="ko-KR" altLang="en-US" dirty="0"/>
-              <a:t>는 부모요소가 </a:t>
+              <a:t>는 부모요소의 </a:t>
             </a:r>
             <a:r>
               <a:rPr lang="en-US" altLang="ko-KR" dirty="0"/>
@@ -7727,6 +7747,9 @@
               <a:rPr lang="ko-KR" altLang="en-US" dirty="0"/>
               <a:t>이다</a:t>
             </a:r>
+            <a:endParaRPr lang="en-US" altLang="ko-KR" dirty="0"/>
+          </a:p>
+          <a:p>
             <a:endParaRPr lang="en-US" altLang="ko-KR" dirty="0"/>
           </a:p>
           <a:p>
@@ -7960,16 +7983,36 @@
               <a:buAutoNum type="arabicPeriod"/>
             </a:pPr>
             <a:r>
+              <a:rPr lang="en-US" altLang="ko-KR" dirty="0"/>
+              <a:t>No parent box</a:t>
+            </a:r>
+            <a:r>
               <a:rPr lang="ko-KR" altLang="en-US" dirty="0"/>
-              <a:t>검정색 선들의 길이는 </a:t>
+              <a:t>는 부모요소가 </a:t>
             </a:r>
             <a:r>
               <a:rPr lang="en-US" altLang="ko-KR" dirty="0"/>
-              <a:t>50px</a:t>
+              <a:t>body</a:t>
             </a:r>
             <a:r>
               <a:rPr lang="ko-KR" altLang="en-US" dirty="0"/>
-              <a:t>로 모두 같다</a:t>
+              <a:t>여서 </a:t>
+            </a:r>
+            <a:r>
+              <a:rPr lang="en-US" altLang="ko-KR" dirty="0"/>
+              <a:t>body </a:t>
+            </a:r>
+            <a:r>
+              <a:rPr lang="ko-KR" altLang="en-US" dirty="0"/>
+              <a:t>기준점으로부터 </a:t>
+            </a:r>
+            <a:r>
+              <a:rPr lang="en-US" altLang="ko-KR" dirty="0"/>
+              <a:t>top, left 50px</a:t>
+            </a:r>
+            <a:r>
+              <a:rPr lang="ko-KR" altLang="en-US" dirty="0"/>
+              <a:t>씩 이동한 것이다</a:t>
             </a:r>
             <a:endParaRPr lang="en-US" altLang="ko-KR" dirty="0"/>
           </a:p>
@@ -7979,27 +8022,43 @@
             </a:pPr>
             <a:r>
               <a:rPr lang="en-US" altLang="ko-KR" dirty="0"/>
-              <a:t>No parent box</a:t>
+              <a:t>In parent box</a:t>
             </a:r>
             <a:r>
               <a:rPr lang="ko-KR" altLang="en-US" dirty="0"/>
-              <a:t>는 부모요소가 </a:t>
+              <a:t>는 부모요소의 </a:t>
             </a:r>
             <a:r>
               <a:rPr lang="en-US" altLang="ko-KR" dirty="0"/>
-              <a:t>body</a:t>
+              <a:t>margin</a:t>
             </a:r>
             <a:r>
               <a:rPr lang="ko-KR" altLang="en-US" dirty="0"/>
-              <a:t>여서 </a:t>
+              <a:t>이 </a:t>
             </a:r>
             <a:r>
               <a:rPr lang="en-US" altLang="ko-KR" dirty="0"/>
-              <a:t>body </a:t>
+              <a:t>200px</a:t>
             </a:r>
             <a:r>
               <a:rPr lang="ko-KR" altLang="en-US" dirty="0"/>
-              <a:t>기준점으로부터 </a:t>
+              <a:t>이고 </a:t>
+            </a:r>
+            <a:r>
+              <a:rPr lang="en-US" altLang="ko-KR" dirty="0"/>
+              <a:t>position </a:t>
+            </a:r>
+            <a:r>
+              <a:rPr lang="ko-KR" altLang="en-US" dirty="0"/>
+              <a:t>이 </a:t>
+            </a:r>
+            <a:r>
+              <a:rPr lang="en-US" altLang="ko-KR" dirty="0"/>
+              <a:t>relative</a:t>
+            </a:r>
+            <a:r>
+              <a:rPr lang="ko-KR" altLang="en-US" dirty="0"/>
+              <a:t>이기 때문에 부모요소로부터 </a:t>
             </a:r>
             <a:r>
               <a:rPr lang="en-US" altLang="ko-KR" dirty="0"/>
@@ -8009,64 +8068,48 @@
               <a:rPr lang="ko-KR" altLang="en-US" dirty="0"/>
               <a:t>씩 이동한 것이다</a:t>
             </a:r>
-            <a:endParaRPr lang="en-US" altLang="ko-KR" dirty="0"/>
-          </a:p>
-          <a:p>
-            <a:pPr marL="228600" indent="-228600">
-              <a:buAutoNum type="arabicPeriod"/>
-            </a:pPr>
-            <a:r>
-              <a:rPr lang="en-US" altLang="ko-KR" dirty="0"/>
-              <a:t>In parent box</a:t>
-            </a:r>
-            <a:r>
-              <a:rPr lang="ko-KR" altLang="en-US" dirty="0"/>
-              <a:t>는 부모요소의 </a:t>
-            </a:r>
-            <a:r>
-              <a:rPr lang="en-US" altLang="ko-KR" dirty="0"/>
-              <a:t>margin</a:t>
-            </a:r>
-            <a:r>
-              <a:rPr lang="ko-KR" altLang="en-US" dirty="0"/>
-              <a:t>이 </a:t>
-            </a:r>
-            <a:r>
-              <a:rPr lang="en-US" altLang="ko-KR" dirty="0"/>
-              <a:t>200px</a:t>
-            </a:r>
-            <a:r>
-              <a:rPr lang="ko-KR" altLang="en-US" dirty="0"/>
-              <a:t>이고 </a:t>
-            </a:r>
-            <a:r>
-              <a:rPr lang="en-US" altLang="ko-KR" dirty="0"/>
-              <a:t>position </a:t>
-            </a:r>
-            <a:r>
-              <a:rPr lang="ko-KR" altLang="en-US" dirty="0"/>
-              <a:t>이 </a:t>
-            </a:r>
-            <a:r>
-              <a:rPr lang="en-US" altLang="ko-KR" dirty="0"/>
-              <a:t>relative</a:t>
-            </a:r>
-            <a:r>
-              <a:rPr lang="ko-KR" altLang="en-US" dirty="0"/>
-              <a:t>이기 때문에 부모요소로부터 </a:t>
-            </a:r>
-            <a:r>
-              <a:rPr lang="en-US" altLang="ko-KR" dirty="0"/>
-              <a:t>top, left 50px</a:t>
-            </a:r>
-            <a:r>
-              <a:rPr lang="ko-KR" altLang="en-US" dirty="0"/>
-              <a:t>씩 이동한 것이다</a:t>
-            </a:r>
             <a:r>
               <a:rPr lang="en-US" altLang="ko-KR" dirty="0"/>
               <a:t>.</a:t>
             </a:r>
+          </a:p>
+          <a:p>
+            <a:pPr marL="228600" marR="0" lvl="0" indent="-228600" algn="l" defTabSz="914400" rtl="0" eaLnBrk="1" fontAlgn="auto" latinLnBrk="1" hangingPunct="1">
+              <a:lnSpc>
+                <a:spcPct val="100000"/>
+              </a:lnSpc>
+              <a:spcBef>
+                <a:spcPts val="0"/>
+              </a:spcBef>
+              <a:spcAft>
+                <a:spcPts val="0"/>
+              </a:spcAft>
+              <a:buClrTx/>
+              <a:buSzTx/>
+              <a:buFontTx/>
+              <a:buAutoNum type="arabicPeriod"/>
+              <a:tabLst/>
+              <a:defRPr/>
+            </a:pPr>
+            <a:r>
+              <a:rPr lang="ko-KR" altLang="en-US" dirty="0"/>
+              <a:t>검정색 선들의 길이는 </a:t>
+            </a:r>
+            <a:r>
+              <a:rPr lang="en-US" altLang="ko-KR" dirty="0"/>
+              <a:t>50px</a:t>
+            </a:r>
+            <a:r>
+              <a:rPr lang="ko-KR" altLang="en-US" dirty="0"/>
+              <a:t>로 모두 같다</a:t>
+            </a:r>
+            <a:endParaRPr lang="en-US" altLang="ko-KR" dirty="0"/>
+          </a:p>
+          <a:p>
+            <a:pPr marL="0" indent="0">
+              <a:buNone/>
+            </a:pPr>
+            <a:endParaRPr lang="en-US" altLang="ko-KR" dirty="0"/>
           </a:p>
         </p:txBody>
       </p:sp>
@@ -8286,7 +8329,7 @@
             </a:r>
             <a:r>
               <a:rPr lang="ko-KR" altLang="en-US" dirty="0"/>
-              <a:t>부모부터</a:t>
+              <a:t>부모</a:t>
             </a:r>
             <a:r>
               <a:rPr lang="en-US" altLang="ko-KR" dirty="0"/>
@@ -8316,7 +8359,7 @@
             </a:r>
             <a:r>
               <a:rPr lang="ko-KR" altLang="en-US" dirty="0" err="1"/>
-              <a:t>모르는게</a:t>
+              <a:t>모르는거</a:t>
             </a:r>
             <a:r>
               <a:rPr lang="ko-KR" altLang="en-US" dirty="0"/>
@@ -8889,7 +8932,7 @@
                 <a:ea typeface="+mn-ea"/>
                 <a:cs typeface="+mn-cs"/>
               </a:rPr>
-              <a:t>저랑 같이 </a:t>
+              <a:t>이거는 한번 해보시면 </a:t>
             </a:r>
             <a:r>
               <a:rPr lang="ko-KR" altLang="en-US" sz="1200" b="0" i="0" kern="1200" dirty="0" err="1">
@@ -8901,7 +8944,151 @@
                 <a:ea typeface="+mn-ea"/>
                 <a:cs typeface="+mn-cs"/>
               </a:rPr>
-              <a:t>해볼게요</a:t>
+              <a:t>될거에요</a:t>
+            </a:r>
+            <a:r>
+              <a:rPr lang="ko-KR" altLang="en-US" sz="1200" b="0" i="0" kern="1200" dirty="0">
+                <a:solidFill>
+                  <a:schemeClr val="tx1"/>
+                </a:solidFill>
+                <a:effectLst/>
+                <a:latin typeface="+mn-lt"/>
+                <a:ea typeface="+mn-ea"/>
+                <a:cs typeface="+mn-cs"/>
+              </a:rPr>
+              <a:t> 그 </a:t>
+            </a:r>
+            <a:r>
+              <a:rPr lang="en-US" altLang="ko-KR" sz="1200" b="0" i="0" kern="1200" dirty="0">
+                <a:solidFill>
+                  <a:schemeClr val="tx1"/>
+                </a:solidFill>
+                <a:effectLst/>
+                <a:latin typeface="+mn-lt"/>
+                <a:ea typeface="+mn-ea"/>
+                <a:cs typeface="+mn-cs"/>
+              </a:rPr>
+              <a:t>div</a:t>
+            </a:r>
+            <a:r>
+              <a:rPr lang="ko-KR" altLang="en-US" sz="1200" b="0" i="0" kern="1200" dirty="0" err="1">
+                <a:solidFill>
+                  <a:schemeClr val="tx1"/>
+                </a:solidFill>
+                <a:effectLst/>
+                <a:latin typeface="+mn-lt"/>
+                <a:ea typeface="+mn-ea"/>
+                <a:cs typeface="+mn-cs"/>
+              </a:rPr>
+              <a:t>같은거에</a:t>
+            </a:r>
+            <a:r>
+              <a:rPr lang="ko-KR" altLang="en-US" sz="1200" b="0" i="0" kern="1200" dirty="0">
+                <a:solidFill>
+                  <a:schemeClr val="tx1"/>
+                </a:solidFill>
+                <a:effectLst/>
+                <a:latin typeface="+mn-lt"/>
+                <a:ea typeface="+mn-ea"/>
+                <a:cs typeface="+mn-cs"/>
+              </a:rPr>
+              <a:t> 영역 넘치게 해놓고 </a:t>
+            </a:r>
+            <a:r>
+              <a:rPr lang="en-US" altLang="ko-KR" sz="1200" b="0" i="0" kern="1200" dirty="0">
+                <a:solidFill>
+                  <a:schemeClr val="tx1"/>
+                </a:solidFill>
+                <a:effectLst/>
+                <a:latin typeface="+mn-lt"/>
+                <a:ea typeface="+mn-ea"/>
+                <a:cs typeface="+mn-cs"/>
+              </a:rPr>
+              <a:t>overflow </a:t>
+            </a:r>
+            <a:r>
+              <a:rPr lang="ko-KR" altLang="en-US" sz="1200" b="0" i="0" kern="1200" dirty="0">
+                <a:solidFill>
+                  <a:schemeClr val="tx1"/>
+                </a:solidFill>
+                <a:effectLst/>
+                <a:latin typeface="+mn-lt"/>
+                <a:ea typeface="+mn-ea"/>
+                <a:cs typeface="+mn-cs"/>
+              </a:rPr>
+              <a:t>속성 적용해서 속성값 </a:t>
+            </a:r>
+            <a:r>
+              <a:rPr lang="ko-KR" altLang="en-US" sz="1200" b="0" i="0" kern="1200" dirty="0" err="1">
+                <a:solidFill>
+                  <a:schemeClr val="tx1"/>
+                </a:solidFill>
+                <a:effectLst/>
+                <a:latin typeface="+mn-lt"/>
+                <a:ea typeface="+mn-ea"/>
+                <a:cs typeface="+mn-cs"/>
+              </a:rPr>
+              <a:t>줘보시면</a:t>
+            </a:r>
+            <a:r>
+              <a:rPr lang="ko-KR" altLang="en-US" sz="1200" b="0" i="0" kern="1200" dirty="0">
+                <a:solidFill>
+                  <a:schemeClr val="tx1"/>
+                </a:solidFill>
+                <a:effectLst/>
+                <a:latin typeface="+mn-lt"/>
+                <a:ea typeface="+mn-ea"/>
+                <a:cs typeface="+mn-cs"/>
+              </a:rPr>
+              <a:t> </a:t>
+            </a:r>
+            <a:r>
+              <a:rPr lang="ko-KR" altLang="en-US" sz="1200" b="0" i="0" kern="1200" dirty="0" err="1">
+                <a:solidFill>
+                  <a:schemeClr val="tx1"/>
+                </a:solidFill>
+                <a:effectLst/>
+                <a:latin typeface="+mn-lt"/>
+                <a:ea typeface="+mn-ea"/>
+                <a:cs typeface="+mn-cs"/>
+              </a:rPr>
+              <a:t>될거에요</a:t>
+            </a:r>
+            <a:r>
+              <a:rPr lang="ko-KR" altLang="en-US" sz="1200" b="0" i="0" kern="1200" dirty="0">
+                <a:solidFill>
+                  <a:schemeClr val="tx1"/>
+                </a:solidFill>
+                <a:effectLst/>
+                <a:latin typeface="+mn-lt"/>
+                <a:ea typeface="+mn-ea"/>
+                <a:cs typeface="+mn-cs"/>
+              </a:rPr>
+              <a:t> </a:t>
+            </a:r>
+            <a:r>
+              <a:rPr lang="en-US" altLang="ko-KR" sz="1200" b="0" i="0" kern="1200" dirty="0">
+                <a:solidFill>
+                  <a:schemeClr val="tx1"/>
+                </a:solidFill>
+                <a:effectLst/>
+                <a:latin typeface="+mn-lt"/>
+                <a:ea typeface="+mn-ea"/>
+                <a:cs typeface="+mn-cs"/>
+              </a:rPr>
+              <a:t>*** width, height </a:t>
+            </a:r>
+            <a:r>
+              <a:rPr lang="ko-KR" altLang="en-US" sz="1200" b="0" i="0" kern="1200">
+                <a:solidFill>
+                  <a:schemeClr val="tx1"/>
+                </a:solidFill>
+                <a:effectLst/>
+                <a:latin typeface="+mn-lt"/>
+                <a:ea typeface="+mn-ea"/>
+                <a:cs typeface="+mn-cs"/>
+              </a:rPr>
+              <a:t>속성 </a:t>
             </a:r>
             <a:endParaRPr lang="en-US" altLang="ko-KR" sz="1200" b="0" i="0" kern="1200" dirty="0">
               <a:solidFill>
@@ -8924,7 +9111,7 @@
                 <a:ea typeface="+mn-ea"/>
                 <a:cs typeface="+mn-cs"/>
               </a:rPr>
-              <a:t>+ Overflow-x , overflow-y</a:t>
+              <a:t>+ overflow-x </a:t>
             </a:r>
             <a:r>
               <a:rPr lang="ko-KR" altLang="en-US" sz="1200" b="0" i="0" kern="1200" dirty="0">
@@ -8936,7 +9123,139 @@
                 <a:ea typeface="+mn-ea"/>
                 <a:cs typeface="+mn-cs"/>
               </a:rPr>
-              <a:t>도 알려주기</a:t>
+              <a:t>는 좌우로</a:t>
+            </a:r>
+            <a:r>
+              <a:rPr lang="en-US" altLang="ko-KR" sz="1200" b="0" i="0" kern="1200" dirty="0">
+                <a:solidFill>
+                  <a:schemeClr val="tx1"/>
+                </a:solidFill>
+                <a:effectLst/>
+                <a:latin typeface="+mn-lt"/>
+                <a:ea typeface="+mn-ea"/>
+                <a:cs typeface="+mn-cs"/>
+              </a:rPr>
+              <a:t> </a:t>
+            </a:r>
+            <a:r>
+              <a:rPr lang="ko-KR" altLang="en-US" sz="1200" b="0" i="0" kern="1200" dirty="0">
+                <a:solidFill>
+                  <a:schemeClr val="tx1"/>
+                </a:solidFill>
+                <a:effectLst/>
+                <a:latin typeface="+mn-lt"/>
+                <a:ea typeface="+mn-ea"/>
+                <a:cs typeface="+mn-cs"/>
+              </a:rPr>
+              <a:t>조정 가능</a:t>
+            </a:r>
+            <a:endParaRPr lang="en-US" altLang="ko-KR" sz="1200" b="0" i="0" kern="1200" dirty="0">
+              <a:solidFill>
+                <a:schemeClr val="tx1"/>
+              </a:solidFill>
+              <a:effectLst/>
+              <a:latin typeface="+mn-lt"/>
+              <a:ea typeface="+mn-ea"/>
+              <a:cs typeface="+mn-cs"/>
+            </a:endParaRPr>
+          </a:p>
+          <a:p>
+            <a:r>
+              <a:rPr lang="en-US" altLang="ko-KR" sz="1200" b="0" i="0" kern="1200" dirty="0">
+                <a:solidFill>
+                  <a:schemeClr val="tx1"/>
+                </a:solidFill>
+                <a:effectLst/>
+                <a:latin typeface="+mn-lt"/>
+                <a:ea typeface="+mn-ea"/>
+                <a:cs typeface="+mn-cs"/>
+              </a:rPr>
+              <a:t>+ overflow-y </a:t>
+            </a:r>
+            <a:r>
+              <a:rPr lang="ko-KR" altLang="en-US" sz="1200" b="0" i="0" kern="1200" dirty="0">
+                <a:solidFill>
+                  <a:schemeClr val="tx1"/>
+                </a:solidFill>
+                <a:effectLst/>
+                <a:latin typeface="+mn-lt"/>
+                <a:ea typeface="+mn-ea"/>
+                <a:cs typeface="+mn-cs"/>
+              </a:rPr>
+              <a:t>는 상하로 </a:t>
+            </a:r>
+            <a:r>
+              <a:rPr lang="ko-KR" altLang="en-US" sz="1200" b="0" i="0" kern="1200">
+                <a:solidFill>
+                  <a:schemeClr val="tx1"/>
+                </a:solidFill>
+                <a:effectLst/>
+                <a:latin typeface="+mn-lt"/>
+                <a:ea typeface="+mn-ea"/>
+                <a:cs typeface="+mn-cs"/>
+              </a:rPr>
+              <a:t>조정 가능</a:t>
+            </a:r>
+          </a:p>
+          <a:p>
+            <a:endParaRPr lang="en-US" altLang="ko-KR" sz="1200" b="0" i="0" kern="1200">
+              <a:solidFill>
+                <a:schemeClr val="tx1"/>
+              </a:solidFill>
+              <a:effectLst/>
+              <a:latin typeface="+mn-lt"/>
+              <a:ea typeface="+mn-ea"/>
+              <a:cs typeface="+mn-cs"/>
+            </a:endParaRPr>
+          </a:p>
+          <a:p>
+            <a:r>
+              <a:rPr lang="en-US" altLang="ko-KR" sz="1200" b="0" i="0" kern="1200">
+                <a:solidFill>
+                  <a:schemeClr val="tx1"/>
+                </a:solidFill>
+                <a:effectLst/>
+                <a:latin typeface="+mn-lt"/>
+                <a:ea typeface="+mn-ea"/>
+                <a:cs typeface="+mn-cs"/>
+              </a:rPr>
+              <a:t>Ex) </a:t>
+            </a:r>
+            <a:r>
+              <a:rPr lang="ko-KR" altLang="en-US" sz="1200" b="0" i="0" kern="1200">
+                <a:solidFill>
+                  <a:schemeClr val="tx1"/>
+                </a:solidFill>
+                <a:effectLst/>
+                <a:latin typeface="+mn-lt"/>
+                <a:ea typeface="+mn-ea"/>
+                <a:cs typeface="+mn-cs"/>
+              </a:rPr>
+              <a:t>아까 탑바 예제에 </a:t>
+            </a:r>
+            <a:r>
+              <a:rPr lang="en-US" altLang="ko-KR" sz="1200" b="0" i="0" kern="1200">
+                <a:solidFill>
+                  <a:schemeClr val="tx1"/>
+                </a:solidFill>
+                <a:effectLst/>
+                <a:latin typeface="+mn-lt"/>
+                <a:ea typeface="+mn-ea"/>
+                <a:cs typeface="+mn-cs"/>
+              </a:rPr>
+              <a:t>overflow-y:hidden; </a:t>
+            </a:r>
+            <a:r>
+              <a:rPr lang="ko-KR" altLang="en-US" sz="1200" b="0" i="0" kern="1200">
+                <a:solidFill>
+                  <a:schemeClr val="tx1"/>
+                </a:solidFill>
+                <a:effectLst/>
+                <a:latin typeface="+mn-lt"/>
+                <a:ea typeface="+mn-ea"/>
+                <a:cs typeface="+mn-cs"/>
+              </a:rPr>
+              <a:t>하면 스크롤이 안돼요</a:t>
             </a:r>
             <a:endParaRPr lang="ko-KR" altLang="en-US" dirty="0"/>
           </a:p>
@@ -9171,7 +9490,7 @@
             </a:r>
             <a:r>
               <a:rPr lang="ko-KR" altLang="en-US" dirty="0" err="1"/>
-              <a:t>쉬울거에요</a:t>
+              <a:t>쉬울거에오</a:t>
             </a:r>
             <a:endParaRPr lang="en-US" altLang="ko-KR" dirty="0"/>
           </a:p>
@@ -9200,18 +9519,18 @@
             </a:r>
             <a:r>
               <a:rPr lang="ko-KR" altLang="en-US" dirty="0" err="1"/>
-              <a:t>배울거에요</a:t>
+              <a:t>배울거에오</a:t>
             </a:r>
             <a:endParaRPr lang="en-US" altLang="ko-KR" dirty="0"/>
           </a:p>
           <a:p>
             <a:r>
               <a:rPr lang="ko-KR" altLang="en-US" dirty="0"/>
-              <a:t>개념을 배우는 것이라서 글이 많은데 무서워하지 말고 천천히 읽으면 다 알 수 있는 내용일 </a:t>
+              <a:t>개념을 배우는 것이라서 글이 많은데 싫어하지 말고 천천히 읽으면 다 알 수 있는 내용일 </a:t>
             </a:r>
             <a:r>
               <a:rPr lang="ko-KR" altLang="en-US" dirty="0" err="1"/>
-              <a:t>거에요</a:t>
+              <a:t>거에오</a:t>
             </a:r>
             <a:endParaRPr lang="en-US" altLang="ko-KR" dirty="0"/>
           </a:p>
@@ -9429,37 +9748,27 @@
             </a:r>
             <a:r>
               <a:rPr lang="ko-KR" altLang="en-US" dirty="0"/>
-              <a:t> 태그에 둘 중 하나가 적용된다고 생각을 하면 좋아요</a:t>
-            </a:r>
-            <a:endParaRPr lang="en-US" altLang="ko-KR" dirty="0"/>
+              <a:t> 태그에 둘 중 하나가 적용된다고 생각을 할 수 있겠죠</a:t>
+            </a:r>
+            <a:r>
+              <a:rPr lang="en-US" altLang="ko-KR" dirty="0"/>
+              <a:t>?</a:t>
+            </a:r>
           </a:p>
           <a:p>
             <a:r>
               <a:rPr lang="ko-KR" altLang="en-US" dirty="0"/>
-              <a:t>그런데 제가 알기로는 기준이나 특성</a:t>
+              <a:t>하지만 매우 슬프게도 후자랍니다</a:t>
             </a:r>
             <a:r>
               <a:rPr lang="en-US" altLang="ko-KR" dirty="0"/>
-              <a:t>…</a:t>
-            </a:r>
+              <a:t>.</a:t>
+            </a:r>
+          </a:p>
+          <a:p>
             <a:r>
               <a:rPr lang="ko-KR" altLang="en-US" dirty="0"/>
-              <a:t>은 잘 모르겠고 외워야 돼요</a:t>
-            </a:r>
-            <a:endParaRPr lang="en-US" altLang="ko-KR" dirty="0"/>
-          </a:p>
-          <a:p>
-            <a:r>
-              <a:rPr lang="ko-KR" altLang="en-US" dirty="0"/>
-              <a:t>아마도</a:t>
-            </a:r>
-            <a:r>
-              <a:rPr lang="en-US" altLang="ko-KR" dirty="0"/>
-              <a:t>,,, </a:t>
-            </a:r>
-            <a:r>
-              <a:rPr lang="ko-KR" altLang="en-US" dirty="0"/>
-              <a:t>아무 규칙이 없는 것 같아요 </a:t>
+              <a:t>아무 규칙이 없어요</a:t>
             </a:r>
             <a:r>
               <a:rPr lang="en-US" altLang="ko-KR" dirty="0"/>
@@ -9467,7 +9776,7 @@
             </a:r>
             <a:r>
               <a:rPr lang="ko-KR" altLang="en-US" dirty="0"/>
-              <a:t>뭐 작은 규칙은 있겠지만 모두 적용되고 약간의 예외가 있는 기준이나 특성은 없는 것 같아요</a:t>
+              <a:t>뭐 작은 규칙은 있을 수도 있겠지만 모두 적용되고 약간의 예외가 있는 기준이나 특성은 없어요</a:t>
             </a:r>
             <a:r>
               <a:rPr lang="en-US" altLang="ko-KR" dirty="0"/>
@@ -9911,6 +10220,9 @@
             </a:r>
           </a:p>
           <a:p>
+            <a:endParaRPr lang="en-US" altLang="ko-KR" dirty="0"/>
+          </a:p>
+          <a:p>
             <a:r>
               <a:rPr lang="en-US" altLang="ko-KR" dirty="0"/>
               <a:t>Content</a:t>
@@ -10258,6 +10570,270 @@
             </a:endParaRPr>
           </a:p>
           <a:p>
+            <a:r>
+              <a:rPr lang="ko-KR" altLang="en-US" sz="1200" b="0" i="0" u="none" strike="noStrike" kern="1200" dirty="0">
+                <a:solidFill>
+                  <a:schemeClr val="tx1"/>
+                </a:solidFill>
+                <a:effectLst/>
+                <a:latin typeface="+mn-lt"/>
+                <a:ea typeface="+mn-ea"/>
+                <a:cs typeface="+mn-cs"/>
+              </a:rPr>
+              <a:t>그래서 </a:t>
+            </a:r>
+            <a:r>
+              <a:rPr lang="en-US" altLang="ko-KR" sz="1200" b="0" i="0" u="none" strike="noStrike" kern="1200" dirty="0">
+                <a:solidFill>
+                  <a:schemeClr val="tx1"/>
+                </a:solidFill>
+                <a:effectLst/>
+                <a:latin typeface="+mn-lt"/>
+                <a:ea typeface="+mn-ea"/>
+                <a:cs typeface="+mn-cs"/>
+              </a:rPr>
+              <a:t>span</a:t>
+            </a:r>
+            <a:r>
+              <a:rPr lang="ko-KR" altLang="en-US" sz="1200" b="0" i="0" u="none" strike="noStrike" kern="1200" dirty="0">
+                <a:solidFill>
+                  <a:schemeClr val="tx1"/>
+                </a:solidFill>
+                <a:effectLst/>
+                <a:latin typeface="+mn-lt"/>
+                <a:ea typeface="+mn-ea"/>
+                <a:cs typeface="+mn-cs"/>
+              </a:rPr>
+              <a:t>은 </a:t>
+            </a:r>
+            <a:r>
+              <a:rPr lang="en-US" altLang="ko-KR" sz="1200" b="0" i="0" u="none" strike="noStrike" kern="1200" dirty="0">
+                <a:solidFill>
+                  <a:schemeClr val="tx1"/>
+                </a:solidFill>
+                <a:effectLst/>
+                <a:latin typeface="+mn-lt"/>
+                <a:ea typeface="+mn-ea"/>
+                <a:cs typeface="+mn-cs"/>
+              </a:rPr>
+              <a:t>inline</a:t>
+            </a:r>
+            <a:r>
+              <a:rPr lang="ko-KR" altLang="en-US" sz="1200" b="0" i="0" u="none" strike="noStrike" kern="1200" dirty="0">
+                <a:solidFill>
+                  <a:schemeClr val="tx1"/>
+                </a:solidFill>
+                <a:effectLst/>
+                <a:latin typeface="+mn-lt"/>
+                <a:ea typeface="+mn-ea"/>
+                <a:cs typeface="+mn-cs"/>
+              </a:rPr>
+              <a:t>인데 </a:t>
+            </a:r>
+            <a:r>
+              <a:rPr lang="en-US" altLang="ko-KR" sz="1200" b="0" i="0" u="none" strike="noStrike" kern="1200" dirty="0">
+                <a:solidFill>
+                  <a:schemeClr val="tx1"/>
+                </a:solidFill>
+                <a:effectLst/>
+                <a:latin typeface="+mn-lt"/>
+                <a:ea typeface="+mn-ea"/>
+                <a:cs typeface="+mn-cs"/>
+              </a:rPr>
+              <a:t>block</a:t>
+            </a:r>
+            <a:r>
+              <a:rPr lang="ko-KR" altLang="en-US" sz="1200" b="0" i="0" u="none" strike="noStrike" kern="1200" dirty="0">
+                <a:solidFill>
+                  <a:schemeClr val="tx1"/>
+                </a:solidFill>
+                <a:effectLst/>
+                <a:latin typeface="+mn-lt"/>
+                <a:ea typeface="+mn-ea"/>
+                <a:cs typeface="+mn-cs"/>
+              </a:rPr>
+              <a:t>처럼 쓰고 싶다 하시면 </a:t>
+            </a:r>
+            <a:r>
+              <a:rPr lang="en-US" altLang="ko-KR" sz="1200" b="0" i="0" u="none" strike="noStrike" kern="1200" dirty="0">
+                <a:solidFill>
+                  <a:schemeClr val="tx1"/>
+                </a:solidFill>
+                <a:effectLst/>
+                <a:latin typeface="+mn-lt"/>
+                <a:ea typeface="+mn-ea"/>
+                <a:cs typeface="+mn-cs"/>
+              </a:rPr>
+              <a:t>span</a:t>
+            </a:r>
+            <a:r>
+              <a:rPr lang="ko-KR" altLang="en-US" sz="1200" b="0" i="0" u="none" strike="noStrike" kern="1200" dirty="0">
+                <a:solidFill>
+                  <a:schemeClr val="tx1"/>
+                </a:solidFill>
+                <a:effectLst/>
+                <a:latin typeface="+mn-lt"/>
+                <a:ea typeface="+mn-ea"/>
+                <a:cs typeface="+mn-cs"/>
+              </a:rPr>
+              <a:t>에 </a:t>
+            </a:r>
+            <a:r>
+              <a:rPr lang="en-US" altLang="ko-KR" sz="1200" b="0" i="0" u="none" strike="noStrike" kern="1200" dirty="0">
+                <a:solidFill>
+                  <a:schemeClr val="tx1"/>
+                </a:solidFill>
+                <a:effectLst/>
+                <a:latin typeface="+mn-lt"/>
+                <a:ea typeface="+mn-ea"/>
+                <a:cs typeface="+mn-cs"/>
+              </a:rPr>
+              <a:t>display : block;</a:t>
+            </a:r>
+            <a:r>
+              <a:rPr lang="ko-KR" altLang="en-US" sz="1200" b="0" i="0" u="none" strike="noStrike" kern="1200" dirty="0">
+                <a:solidFill>
+                  <a:schemeClr val="tx1"/>
+                </a:solidFill>
+                <a:effectLst/>
+                <a:latin typeface="+mn-lt"/>
+                <a:ea typeface="+mn-ea"/>
+                <a:cs typeface="+mn-cs"/>
+              </a:rPr>
+              <a:t>속성을 주면 됩니다</a:t>
+            </a:r>
+            <a:r>
+              <a:rPr lang="en-US" altLang="ko-KR" sz="1200" b="0" i="0" u="none" strike="noStrike" kern="1200" dirty="0">
+                <a:solidFill>
+                  <a:schemeClr val="tx1"/>
+                </a:solidFill>
+                <a:effectLst/>
+                <a:latin typeface="+mn-lt"/>
+                <a:ea typeface="+mn-ea"/>
+                <a:cs typeface="+mn-cs"/>
+              </a:rPr>
+              <a:t>~^^</a:t>
+            </a:r>
+          </a:p>
+          <a:p>
+            <a:r>
+              <a:rPr lang="en-US" altLang="ko-KR" sz="1200" b="0" i="0" u="none" strike="noStrike" kern="1200" dirty="0" err="1">
+                <a:solidFill>
+                  <a:schemeClr val="tx1"/>
+                </a:solidFill>
+                <a:effectLst/>
+                <a:latin typeface="+mn-lt"/>
+                <a:ea typeface="+mn-ea"/>
+                <a:cs typeface="+mn-cs"/>
+              </a:rPr>
+              <a:t>Div</a:t>
+            </a:r>
+            <a:r>
+              <a:rPr lang="ko-KR" altLang="en-US" sz="1200" b="0" i="0" u="none" strike="noStrike" kern="1200" dirty="0">
+                <a:solidFill>
+                  <a:schemeClr val="tx1"/>
+                </a:solidFill>
+                <a:effectLst/>
+                <a:latin typeface="+mn-lt"/>
+                <a:ea typeface="+mn-ea"/>
+                <a:cs typeface="+mn-cs"/>
+              </a:rPr>
+              <a:t>을 </a:t>
+            </a:r>
+            <a:r>
+              <a:rPr lang="en-US" altLang="ko-KR" sz="1200" b="0" i="0" u="none" strike="noStrike" kern="1200" dirty="0">
+                <a:solidFill>
+                  <a:schemeClr val="tx1"/>
+                </a:solidFill>
+                <a:effectLst/>
+                <a:latin typeface="+mn-lt"/>
+                <a:ea typeface="+mn-ea"/>
+                <a:cs typeface="+mn-cs"/>
+              </a:rPr>
+              <a:t>inline</a:t>
+            </a:r>
+            <a:r>
+              <a:rPr lang="ko-KR" altLang="en-US" sz="1200" b="0" i="0" u="none" strike="noStrike" kern="1200" dirty="0">
+                <a:solidFill>
+                  <a:schemeClr val="tx1"/>
+                </a:solidFill>
+                <a:effectLst/>
+                <a:latin typeface="+mn-lt"/>
+                <a:ea typeface="+mn-ea"/>
+                <a:cs typeface="+mn-cs"/>
+              </a:rPr>
+              <a:t>으로 쓰고 싶다 하시면 </a:t>
+            </a:r>
+            <a:r>
+              <a:rPr lang="en-US" altLang="ko-KR" sz="1200" b="0" i="0" u="none" strike="noStrike" kern="1200" dirty="0">
+                <a:solidFill>
+                  <a:schemeClr val="tx1"/>
+                </a:solidFill>
+                <a:effectLst/>
+                <a:latin typeface="+mn-lt"/>
+                <a:ea typeface="+mn-ea"/>
+                <a:cs typeface="+mn-cs"/>
+              </a:rPr>
+              <a:t>div</a:t>
+            </a:r>
+            <a:r>
+              <a:rPr lang="ko-KR" altLang="en-US" sz="1200" b="0" i="0" u="none" strike="noStrike" kern="1200" dirty="0">
+                <a:solidFill>
+                  <a:schemeClr val="tx1"/>
+                </a:solidFill>
+                <a:effectLst/>
+                <a:latin typeface="+mn-lt"/>
+                <a:ea typeface="+mn-ea"/>
+                <a:cs typeface="+mn-cs"/>
+              </a:rPr>
+              <a:t>에 </a:t>
+            </a:r>
+            <a:r>
+              <a:rPr lang="en-US" altLang="ko-KR" sz="1200" b="0" i="0" u="none" strike="noStrike" kern="1200" dirty="0">
+                <a:solidFill>
+                  <a:schemeClr val="tx1"/>
+                </a:solidFill>
+                <a:effectLst/>
+                <a:latin typeface="+mn-lt"/>
+                <a:ea typeface="+mn-ea"/>
+                <a:cs typeface="+mn-cs"/>
+              </a:rPr>
+              <a:t>display : inline;</a:t>
+            </a:r>
+            <a:r>
+              <a:rPr lang="ko-KR" altLang="en-US" sz="1200" b="0" i="0" u="none" strike="noStrike" kern="1200" dirty="0">
+                <a:solidFill>
+                  <a:schemeClr val="tx1"/>
+                </a:solidFill>
+                <a:effectLst/>
+                <a:latin typeface="+mn-lt"/>
+                <a:ea typeface="+mn-ea"/>
+                <a:cs typeface="+mn-cs"/>
+              </a:rPr>
+              <a:t>속성을 주시면 돼요</a:t>
+            </a:r>
+            <a:endParaRPr lang="en-US" altLang="ko-KR" sz="1200" b="0" i="0" u="none" strike="noStrike" kern="1200" dirty="0">
+              <a:solidFill>
+                <a:schemeClr val="tx1"/>
+              </a:solidFill>
+              <a:effectLst/>
+              <a:latin typeface="+mn-lt"/>
+              <a:ea typeface="+mn-ea"/>
+              <a:cs typeface="+mn-cs"/>
+            </a:endParaRPr>
+          </a:p>
+          <a:p>
+            <a:endParaRPr lang="en-US" altLang="ko-KR" sz="1200" b="0" i="0" u="none" strike="noStrike" kern="1200" dirty="0">
+              <a:solidFill>
+                <a:schemeClr val="tx1"/>
+              </a:solidFill>
+              <a:effectLst/>
+              <a:latin typeface="+mn-lt"/>
+              <a:ea typeface="+mn-ea"/>
+              <a:cs typeface="+mn-cs"/>
+            </a:endParaRPr>
+          </a:p>
+          <a:p>
             <a:endParaRPr lang="en-US" altLang="ko-KR" dirty="0"/>
           </a:p>
         </p:txBody>
@@ -10348,9 +10924,52 @@
             </a:r>
             <a:r>
               <a:rPr lang="ko-KR" altLang="en-US" dirty="0"/>
-              <a:t>가 불투명이라고 했죠 </a:t>
+              <a:t>는 불투명함</a:t>
             </a:r>
             <a:endParaRPr lang="en-US" altLang="ko-KR" dirty="0"/>
+          </a:p>
+          <a:p>
+            <a:pPr marL="0" marR="0" lvl="0" indent="0" algn="l" defTabSz="914400" rtl="0" eaLnBrk="1" fontAlgn="auto" latinLnBrk="1" hangingPunct="1">
+              <a:lnSpc>
+                <a:spcPct val="100000"/>
+              </a:lnSpc>
+              <a:spcBef>
+                <a:spcPts val="0"/>
+              </a:spcBef>
+              <a:spcAft>
+                <a:spcPts val="0"/>
+              </a:spcAft>
+              <a:buClrTx/>
+              <a:buSzTx/>
+              <a:buFontTx/>
+              <a:buNone/>
+              <a:tabLst/>
+              <a:defRPr/>
+            </a:pPr>
+            <a:r>
+              <a:rPr lang="ko-KR" altLang="en-US" dirty="0"/>
+              <a:t>불투명이 거짓이면 투명이죠 </a:t>
+            </a:r>
+            <a:r>
+              <a:rPr lang="en-US" altLang="ko-KR" dirty="0"/>
+              <a:t>               opacity : 0; -&gt; </a:t>
+            </a:r>
+            <a:r>
+              <a:rPr lang="ko-KR" altLang="en-US" dirty="0"/>
+              <a:t>보이지 않음 </a:t>
+            </a:r>
+            <a:r>
+              <a:rPr lang="en-US" altLang="ko-KR" dirty="0"/>
+              <a:t>(</a:t>
+            </a:r>
+            <a:r>
+              <a:rPr lang="ko-KR" altLang="en-US" dirty="0"/>
+              <a:t>투명</a:t>
+            </a:r>
+            <a:r>
+              <a:rPr lang="en-US" altLang="ko-KR" dirty="0"/>
+              <a:t>)</a:t>
+            </a:r>
           </a:p>
           <a:p>
             <a:r>
@@ -10363,32 +10982,28 @@
             </a:r>
             <a:r>
               <a:rPr lang="ko-KR" altLang="en-US" dirty="0"/>
-              <a:t> 불투명이죠 </a:t>
+              <a:t> 불투명이죠           </a:t>
             </a:r>
             <a:r>
               <a:rPr lang="en-US" altLang="ko-KR" dirty="0"/>
-              <a:t>-&gt; opacity : 1; -&gt; </a:t>
+              <a:t>opacity : 1;(default) -&gt; </a:t>
             </a:r>
             <a:r>
               <a:rPr lang="ko-KR" altLang="en-US" dirty="0"/>
-              <a:t>보이지 않음</a:t>
-            </a:r>
-            <a:endParaRPr lang="en-US" altLang="ko-KR" dirty="0"/>
-          </a:p>
-          <a:p>
+              <a:t>보임 </a:t>
+            </a:r>
+            <a:r>
+              <a:rPr lang="en-US" altLang="ko-KR" dirty="0"/>
+              <a:t>(</a:t>
+            </a:r>
             <a:r>
               <a:rPr lang="ko-KR" altLang="en-US" dirty="0"/>
-              <a:t>불투명이 거짓이면 투명이죠 </a:t>
+              <a:t>불투명</a:t>
             </a:r>
             <a:r>
               <a:rPr lang="en-US" altLang="ko-KR" dirty="0"/>
-              <a:t>-&gt; opacity : 0;(default) -&gt; </a:t>
-            </a:r>
-            <a:r>
-              <a:rPr lang="ko-KR" altLang="en-US" dirty="0"/>
-              <a:t>보임</a:t>
-            </a:r>
-            <a:endParaRPr lang="en-US" altLang="ko-KR" dirty="0"/>
+              <a:t>)</a:t>
+            </a:r>
           </a:p>
         </p:txBody>
       </p:sp>
@@ -14310,7 +14925,19 @@
           <a:p>
             <a:r>
               <a:rPr lang="ko-KR" altLang="en-US" sz="3600" dirty="0"/>
-              <a:t>차이점은 좌표 속성의 동작 여부 뿐이며 </a:t>
+              <a:t>차이점은 </a:t>
+            </a:r>
+            <a:r>
+              <a:rPr lang="ko-KR" altLang="en-US" sz="3600" dirty="0">
+                <a:solidFill>
+                  <a:srgbClr val="FF0000"/>
+                </a:solidFill>
+              </a:rPr>
+              <a:t>좌표 속성의 동작 여부 </a:t>
+            </a:r>
+            <a:r>
+              <a:rPr lang="ko-KR" altLang="en-US" sz="3600" dirty="0"/>
+              <a:t>뿐이며 </a:t>
             </a:r>
             <a:endParaRPr lang="en-US" altLang="ko-KR" sz="3600" dirty="0"/>
           </a:p>
@@ -20469,25 +21096,43 @@
                 </a:solidFill>
                 <a:latin typeface="+mn-ea"/>
               </a:rPr>
-              <a:t>에 맞게 변화되므로 적절한 </a:t>
+              <a:t>에 맞게 변화되므로 </a:t>
+            </a:r>
+            <a:r>
+              <a:rPr lang="ko-KR" altLang="en-US" sz="3300" dirty="0">
+                <a:solidFill>
+                  <a:srgbClr val="FF0000"/>
+                </a:solidFill>
+                <a:latin typeface="+mn-ea"/>
+              </a:rPr>
+              <a:t>적절한 </a:t>
             </a:r>
             <a:r>
               <a:rPr lang="en-US" altLang="ko-KR" sz="3300" dirty="0">
                 <a:solidFill>
+                  <a:srgbClr val="FF0000"/>
+                </a:solidFill>
+                <a:latin typeface="+mn-ea"/>
+              </a:rPr>
+              <a:t>width</a:t>
+            </a:r>
+            <a:r>
+              <a:rPr lang="ko-KR" altLang="en-US" sz="3300" dirty="0">
+                <a:solidFill>
+                  <a:srgbClr val="FF0000"/>
+                </a:solidFill>
+                <a:latin typeface="+mn-ea"/>
+              </a:rPr>
+              <a:t>를 지정</a:t>
+            </a:r>
+            <a:r>
+              <a:rPr lang="ko-KR" altLang="en-US" sz="3300" dirty="0">
+                <a:solidFill>
                   <a:srgbClr val="434B4F"/>
                 </a:solidFill>
                 <a:latin typeface="+mn-ea"/>
               </a:rPr>
-              <a:t>width</a:t>
-            </a:r>
-            <a:r>
-              <a:rPr lang="ko-KR" altLang="en-US" sz="3300" dirty="0">
-                <a:solidFill>
-                  <a:srgbClr val="434B4F"/>
-                </a:solidFill>
-                <a:latin typeface="+mn-ea"/>
-              </a:rPr>
-              <a:t>를 지정하여야 함</a:t>
+              <a:t>하여야 함</a:t>
             </a:r>
             <a:endParaRPr lang="ko-KR" altLang="en-US" sz="3300" i="0" dirty="0">
               <a:solidFill>
